--- a/ppt 16-9/0523.何等平安喜乐.pptx
+++ b/ppt 16-9/0523.何等平安喜乐.pptx
@@ -129,7 +129,7 @@
           <p:cNvPr id="2" name="标题 1">
             <a:extLst>
               <a:ext uri="{FF2B5EF4-FFF2-40B4-BE49-F238E27FC236}">
-                <a16:creationId xmlns:a16="http://schemas.microsoft.com/office/drawing/2014/main" id="{1F2E63E7-901B-D5AA-1810-3A3D4E8DC4F4}"/>
+                <a16:creationId xmlns:a16="http://schemas.microsoft.com/office/drawing/2014/main" id="{4BC0DC53-6B10-727D-54E7-80BF9877C3D1}"/>
               </a:ext>
             </a:extLst>
           </p:cNvPr>
@@ -166,7 +166,7 @@
           <p:cNvPr id="3" name="副标题 2">
             <a:extLst>
               <a:ext uri="{FF2B5EF4-FFF2-40B4-BE49-F238E27FC236}">
-                <a16:creationId xmlns:a16="http://schemas.microsoft.com/office/drawing/2014/main" id="{A182C6D9-218A-EB89-166F-795CBB4478FA}"/>
+                <a16:creationId xmlns:a16="http://schemas.microsoft.com/office/drawing/2014/main" id="{705A57DE-3C29-4348-58D3-2C14F85C7487}"/>
               </a:ext>
             </a:extLst>
           </p:cNvPr>
@@ -236,7 +236,7 @@
           <p:cNvPr id="4" name="日期占位符 3">
             <a:extLst>
               <a:ext uri="{FF2B5EF4-FFF2-40B4-BE49-F238E27FC236}">
-                <a16:creationId xmlns:a16="http://schemas.microsoft.com/office/drawing/2014/main" id="{A4B11CEA-B4AE-77F4-A0D5-686C6FA1224D}"/>
+                <a16:creationId xmlns:a16="http://schemas.microsoft.com/office/drawing/2014/main" id="{051A625D-BABF-53AC-20EE-DF8308FE392C}"/>
               </a:ext>
             </a:extLst>
           </p:cNvPr>
@@ -252,7 +252,7 @@
           <a:bodyPr/>
           <a:lstStyle/>
           <a:p>
-            <a:fld id="{34467ACF-9F85-4E48-9CBE-E04BD185DEFE}" type="datetimeFigureOut">
+            <a:fld id="{E72A3F4E-DB46-4C5D-84F9-5E11E5A52ECF}" type="datetimeFigureOut">
               <a:rPr lang="zh-CN" altLang="en-US" smtClean="0"/>
               <a:t>2024/3/10</a:t>
             </a:fld>
@@ -265,7 +265,7 @@
           <p:cNvPr id="5" name="页脚占位符 4">
             <a:extLst>
               <a:ext uri="{FF2B5EF4-FFF2-40B4-BE49-F238E27FC236}">
-                <a16:creationId xmlns:a16="http://schemas.microsoft.com/office/drawing/2014/main" id="{0A8EDF47-E6C3-0F7B-0C22-1A89B1FB672A}"/>
+                <a16:creationId xmlns:a16="http://schemas.microsoft.com/office/drawing/2014/main" id="{BA2E3016-782B-F991-D50B-DCB42BA5D9C1}"/>
               </a:ext>
             </a:extLst>
           </p:cNvPr>
@@ -290,7 +290,7 @@
           <p:cNvPr id="6" name="灯片编号占位符 5">
             <a:extLst>
               <a:ext uri="{FF2B5EF4-FFF2-40B4-BE49-F238E27FC236}">
-                <a16:creationId xmlns:a16="http://schemas.microsoft.com/office/drawing/2014/main" id="{D8C5376A-AC73-D64E-C8F6-7322EBE7F486}"/>
+                <a16:creationId xmlns:a16="http://schemas.microsoft.com/office/drawing/2014/main" id="{27509D51-CF5F-A92B-5D93-7F294A3E3AF8}"/>
               </a:ext>
             </a:extLst>
           </p:cNvPr>
@@ -306,7 +306,7 @@
           <a:bodyPr/>
           <a:lstStyle/>
           <a:p>
-            <a:fld id="{F0BA1A82-475F-4340-B1C9-464779EDA945}" type="slidenum">
+            <a:fld id="{B5DEB713-193F-406E-81B3-BB100EB24540}" type="slidenum">
               <a:rPr lang="zh-CN" altLang="en-US" smtClean="0"/>
               <a:t>‹#›</a:t>
             </a:fld>
@@ -317,7 +317,7 @@
     </p:spTree>
     <p:extLst>
       <p:ext uri="{BB962C8B-B14F-4D97-AF65-F5344CB8AC3E}">
-        <p14:creationId xmlns:p14="http://schemas.microsoft.com/office/powerpoint/2010/main" val="3973658415"/>
+        <p14:creationId xmlns:p14="http://schemas.microsoft.com/office/powerpoint/2010/main" val="682221232"/>
       </p:ext>
     </p:extLst>
   </p:cSld>
@@ -349,7 +349,7 @@
           <p:cNvPr id="2" name="标题 1">
             <a:extLst>
               <a:ext uri="{FF2B5EF4-FFF2-40B4-BE49-F238E27FC236}">
-                <a16:creationId xmlns:a16="http://schemas.microsoft.com/office/drawing/2014/main" id="{EFD9F6B2-C758-6EC8-BFBC-5A906E2401F7}"/>
+                <a16:creationId xmlns:a16="http://schemas.microsoft.com/office/drawing/2014/main" id="{338FA598-DC34-E018-FB88-CFFF7BED1FDF}"/>
               </a:ext>
             </a:extLst>
           </p:cNvPr>
@@ -377,7 +377,7 @@
           <p:cNvPr id="3" name="竖排文字占位符 2">
             <a:extLst>
               <a:ext uri="{FF2B5EF4-FFF2-40B4-BE49-F238E27FC236}">
-                <a16:creationId xmlns:a16="http://schemas.microsoft.com/office/drawing/2014/main" id="{B0821D03-20FC-0716-BC5B-2E7F8F938FA2}"/>
+                <a16:creationId xmlns:a16="http://schemas.microsoft.com/office/drawing/2014/main" id="{6794AC34-C34E-9E37-825A-2C79ED36B8BA}"/>
               </a:ext>
             </a:extLst>
           </p:cNvPr>
@@ -434,7 +434,7 @@
           <p:cNvPr id="4" name="日期占位符 3">
             <a:extLst>
               <a:ext uri="{FF2B5EF4-FFF2-40B4-BE49-F238E27FC236}">
-                <a16:creationId xmlns:a16="http://schemas.microsoft.com/office/drawing/2014/main" id="{76B808EE-0609-C3CE-A572-EB2571814B73}"/>
+                <a16:creationId xmlns:a16="http://schemas.microsoft.com/office/drawing/2014/main" id="{AF1A90D2-D013-0B37-D137-EF6B35805845}"/>
               </a:ext>
             </a:extLst>
           </p:cNvPr>
@@ -450,7 +450,7 @@
           <a:bodyPr/>
           <a:lstStyle/>
           <a:p>
-            <a:fld id="{34467ACF-9F85-4E48-9CBE-E04BD185DEFE}" type="datetimeFigureOut">
+            <a:fld id="{E72A3F4E-DB46-4C5D-84F9-5E11E5A52ECF}" type="datetimeFigureOut">
               <a:rPr lang="zh-CN" altLang="en-US" smtClean="0"/>
               <a:t>2024/3/10</a:t>
             </a:fld>
@@ -463,7 +463,7 @@
           <p:cNvPr id="5" name="页脚占位符 4">
             <a:extLst>
               <a:ext uri="{FF2B5EF4-FFF2-40B4-BE49-F238E27FC236}">
-                <a16:creationId xmlns:a16="http://schemas.microsoft.com/office/drawing/2014/main" id="{678BB2D6-56E1-4C69-7FE9-DF1BFF527FF7}"/>
+                <a16:creationId xmlns:a16="http://schemas.microsoft.com/office/drawing/2014/main" id="{C358432C-60C3-D660-67D3-25B1CF1D5A2D}"/>
               </a:ext>
             </a:extLst>
           </p:cNvPr>
@@ -488,7 +488,7 @@
           <p:cNvPr id="6" name="灯片编号占位符 5">
             <a:extLst>
               <a:ext uri="{FF2B5EF4-FFF2-40B4-BE49-F238E27FC236}">
-                <a16:creationId xmlns:a16="http://schemas.microsoft.com/office/drawing/2014/main" id="{CA727497-7F1D-C124-9596-458DDB7679B5}"/>
+                <a16:creationId xmlns:a16="http://schemas.microsoft.com/office/drawing/2014/main" id="{BAA678F5-1A59-B8D3-A024-16238D801215}"/>
               </a:ext>
             </a:extLst>
           </p:cNvPr>
@@ -504,7 +504,7 @@
           <a:bodyPr/>
           <a:lstStyle/>
           <a:p>
-            <a:fld id="{F0BA1A82-475F-4340-B1C9-464779EDA945}" type="slidenum">
+            <a:fld id="{B5DEB713-193F-406E-81B3-BB100EB24540}" type="slidenum">
               <a:rPr lang="zh-CN" altLang="en-US" smtClean="0"/>
               <a:t>‹#›</a:t>
             </a:fld>
@@ -515,7 +515,7 @@
     </p:spTree>
     <p:extLst>
       <p:ext uri="{BB962C8B-B14F-4D97-AF65-F5344CB8AC3E}">
-        <p14:creationId xmlns:p14="http://schemas.microsoft.com/office/powerpoint/2010/main" val="1995673605"/>
+        <p14:creationId xmlns:p14="http://schemas.microsoft.com/office/powerpoint/2010/main" val="3843346757"/>
       </p:ext>
     </p:extLst>
   </p:cSld>
@@ -547,7 +547,7 @@
           <p:cNvPr id="2" name="竖排标题 1">
             <a:extLst>
               <a:ext uri="{FF2B5EF4-FFF2-40B4-BE49-F238E27FC236}">
-                <a16:creationId xmlns:a16="http://schemas.microsoft.com/office/drawing/2014/main" id="{CA215808-AE46-5101-2207-7076303C1F6D}"/>
+                <a16:creationId xmlns:a16="http://schemas.microsoft.com/office/drawing/2014/main" id="{6964D6E8-5AAC-8FC6-6B01-F5CB0F1E5099}"/>
               </a:ext>
             </a:extLst>
           </p:cNvPr>
@@ -580,7 +580,7 @@
           <p:cNvPr id="3" name="竖排文字占位符 2">
             <a:extLst>
               <a:ext uri="{FF2B5EF4-FFF2-40B4-BE49-F238E27FC236}">
-                <a16:creationId xmlns:a16="http://schemas.microsoft.com/office/drawing/2014/main" id="{358889AC-568C-5F3D-B080-48A2DD4777EA}"/>
+                <a16:creationId xmlns:a16="http://schemas.microsoft.com/office/drawing/2014/main" id="{22957B7E-11AE-5A31-2405-DE8F39E76004}"/>
               </a:ext>
             </a:extLst>
           </p:cNvPr>
@@ -642,7 +642,7 @@
           <p:cNvPr id="4" name="日期占位符 3">
             <a:extLst>
               <a:ext uri="{FF2B5EF4-FFF2-40B4-BE49-F238E27FC236}">
-                <a16:creationId xmlns:a16="http://schemas.microsoft.com/office/drawing/2014/main" id="{802DE0F5-FC41-451E-2CC3-45400308C4C7}"/>
+                <a16:creationId xmlns:a16="http://schemas.microsoft.com/office/drawing/2014/main" id="{73AA1226-EF33-9850-1B1A-AE7B7B2B2334}"/>
               </a:ext>
             </a:extLst>
           </p:cNvPr>
@@ -658,7 +658,7 @@
           <a:bodyPr/>
           <a:lstStyle/>
           <a:p>
-            <a:fld id="{34467ACF-9F85-4E48-9CBE-E04BD185DEFE}" type="datetimeFigureOut">
+            <a:fld id="{E72A3F4E-DB46-4C5D-84F9-5E11E5A52ECF}" type="datetimeFigureOut">
               <a:rPr lang="zh-CN" altLang="en-US" smtClean="0"/>
               <a:t>2024/3/10</a:t>
             </a:fld>
@@ -671,7 +671,7 @@
           <p:cNvPr id="5" name="页脚占位符 4">
             <a:extLst>
               <a:ext uri="{FF2B5EF4-FFF2-40B4-BE49-F238E27FC236}">
-                <a16:creationId xmlns:a16="http://schemas.microsoft.com/office/drawing/2014/main" id="{C368195C-3850-FD64-7F76-C62992F0C9BA}"/>
+                <a16:creationId xmlns:a16="http://schemas.microsoft.com/office/drawing/2014/main" id="{29F56B66-46D1-D830-0EA5-4F7096807D62}"/>
               </a:ext>
             </a:extLst>
           </p:cNvPr>
@@ -696,7 +696,7 @@
           <p:cNvPr id="6" name="灯片编号占位符 5">
             <a:extLst>
               <a:ext uri="{FF2B5EF4-FFF2-40B4-BE49-F238E27FC236}">
-                <a16:creationId xmlns:a16="http://schemas.microsoft.com/office/drawing/2014/main" id="{D1883825-DE84-2326-5395-F69CA81F908F}"/>
+                <a16:creationId xmlns:a16="http://schemas.microsoft.com/office/drawing/2014/main" id="{AAB5F3F1-B608-8B3A-EEA0-AC278F6DE556}"/>
               </a:ext>
             </a:extLst>
           </p:cNvPr>
@@ -712,7 +712,7 @@
           <a:bodyPr/>
           <a:lstStyle/>
           <a:p>
-            <a:fld id="{F0BA1A82-475F-4340-B1C9-464779EDA945}" type="slidenum">
+            <a:fld id="{B5DEB713-193F-406E-81B3-BB100EB24540}" type="slidenum">
               <a:rPr lang="zh-CN" altLang="en-US" smtClean="0"/>
               <a:t>‹#›</a:t>
             </a:fld>
@@ -723,7 +723,7 @@
     </p:spTree>
     <p:extLst>
       <p:ext uri="{BB962C8B-B14F-4D97-AF65-F5344CB8AC3E}">
-        <p14:creationId xmlns:p14="http://schemas.microsoft.com/office/powerpoint/2010/main" val="257586820"/>
+        <p14:creationId xmlns:p14="http://schemas.microsoft.com/office/powerpoint/2010/main" val="3825716070"/>
       </p:ext>
     </p:extLst>
   </p:cSld>
@@ -755,7 +755,7 @@
           <p:cNvPr id="2" name="标题 1">
             <a:extLst>
               <a:ext uri="{FF2B5EF4-FFF2-40B4-BE49-F238E27FC236}">
-                <a16:creationId xmlns:a16="http://schemas.microsoft.com/office/drawing/2014/main" id="{89702E2A-BE2B-A5F5-622C-5F12DE094E0B}"/>
+                <a16:creationId xmlns:a16="http://schemas.microsoft.com/office/drawing/2014/main" id="{A644FDB8-2DC5-D0AE-EC01-3961235DA601}"/>
               </a:ext>
             </a:extLst>
           </p:cNvPr>
@@ -783,7 +783,7 @@
           <p:cNvPr id="3" name="内容占位符 2">
             <a:extLst>
               <a:ext uri="{FF2B5EF4-FFF2-40B4-BE49-F238E27FC236}">
-                <a16:creationId xmlns:a16="http://schemas.microsoft.com/office/drawing/2014/main" id="{25489B6B-534B-D9DA-3577-DB6000C37FAD}"/>
+                <a16:creationId xmlns:a16="http://schemas.microsoft.com/office/drawing/2014/main" id="{B9269FFF-A4A1-D7BC-C90B-DF4EB29C6A80}"/>
               </a:ext>
             </a:extLst>
           </p:cNvPr>
@@ -840,7 +840,7 @@
           <p:cNvPr id="4" name="日期占位符 3">
             <a:extLst>
               <a:ext uri="{FF2B5EF4-FFF2-40B4-BE49-F238E27FC236}">
-                <a16:creationId xmlns:a16="http://schemas.microsoft.com/office/drawing/2014/main" id="{32313C89-13C6-08FE-1A5E-6D0E4B3FCD2B}"/>
+                <a16:creationId xmlns:a16="http://schemas.microsoft.com/office/drawing/2014/main" id="{A5C07D42-44DA-8603-E416-DD007C828DA3}"/>
               </a:ext>
             </a:extLst>
           </p:cNvPr>
@@ -856,7 +856,7 @@
           <a:bodyPr/>
           <a:lstStyle/>
           <a:p>
-            <a:fld id="{34467ACF-9F85-4E48-9CBE-E04BD185DEFE}" type="datetimeFigureOut">
+            <a:fld id="{E72A3F4E-DB46-4C5D-84F9-5E11E5A52ECF}" type="datetimeFigureOut">
               <a:rPr lang="zh-CN" altLang="en-US" smtClean="0"/>
               <a:t>2024/3/10</a:t>
             </a:fld>
@@ -869,7 +869,7 @@
           <p:cNvPr id="5" name="页脚占位符 4">
             <a:extLst>
               <a:ext uri="{FF2B5EF4-FFF2-40B4-BE49-F238E27FC236}">
-                <a16:creationId xmlns:a16="http://schemas.microsoft.com/office/drawing/2014/main" id="{98FF5458-6CC4-C97D-6BFC-B4FD12240231}"/>
+                <a16:creationId xmlns:a16="http://schemas.microsoft.com/office/drawing/2014/main" id="{B43D0223-7442-139F-04F6-6E6AE99B00D2}"/>
               </a:ext>
             </a:extLst>
           </p:cNvPr>
@@ -894,7 +894,7 @@
           <p:cNvPr id="6" name="灯片编号占位符 5">
             <a:extLst>
               <a:ext uri="{FF2B5EF4-FFF2-40B4-BE49-F238E27FC236}">
-                <a16:creationId xmlns:a16="http://schemas.microsoft.com/office/drawing/2014/main" id="{53FEFC29-8E5A-0C61-C20E-CDAC23937884}"/>
+                <a16:creationId xmlns:a16="http://schemas.microsoft.com/office/drawing/2014/main" id="{B022F79D-28D4-3ABF-CC7F-3191BB1BAFB7}"/>
               </a:ext>
             </a:extLst>
           </p:cNvPr>
@@ -910,7 +910,7 @@
           <a:bodyPr/>
           <a:lstStyle/>
           <a:p>
-            <a:fld id="{F0BA1A82-475F-4340-B1C9-464779EDA945}" type="slidenum">
+            <a:fld id="{B5DEB713-193F-406E-81B3-BB100EB24540}" type="slidenum">
               <a:rPr lang="zh-CN" altLang="en-US" smtClean="0"/>
               <a:t>‹#›</a:t>
             </a:fld>
@@ -921,7 +921,7 @@
     </p:spTree>
     <p:extLst>
       <p:ext uri="{BB962C8B-B14F-4D97-AF65-F5344CB8AC3E}">
-        <p14:creationId xmlns:p14="http://schemas.microsoft.com/office/powerpoint/2010/main" val="3893528275"/>
+        <p14:creationId xmlns:p14="http://schemas.microsoft.com/office/powerpoint/2010/main" val="1636184318"/>
       </p:ext>
     </p:extLst>
   </p:cSld>
@@ -953,7 +953,7 @@
           <p:cNvPr id="2" name="标题 1">
             <a:extLst>
               <a:ext uri="{FF2B5EF4-FFF2-40B4-BE49-F238E27FC236}">
-                <a16:creationId xmlns:a16="http://schemas.microsoft.com/office/drawing/2014/main" id="{22C1CFEF-2BC3-F9BB-2FEB-7C48245E84D5}"/>
+                <a16:creationId xmlns:a16="http://schemas.microsoft.com/office/drawing/2014/main" id="{767EA4CD-8757-7EBB-E2AC-DDD4E36F31B1}"/>
               </a:ext>
             </a:extLst>
           </p:cNvPr>
@@ -990,7 +990,7 @@
           <p:cNvPr id="3" name="文本占位符 2">
             <a:extLst>
               <a:ext uri="{FF2B5EF4-FFF2-40B4-BE49-F238E27FC236}">
-                <a16:creationId xmlns:a16="http://schemas.microsoft.com/office/drawing/2014/main" id="{709DDEF0-1FE9-BB47-377C-165F665CC3A8}"/>
+                <a16:creationId xmlns:a16="http://schemas.microsoft.com/office/drawing/2014/main" id="{3B9FA6E9-19B4-B234-C019-516317000E66}"/>
               </a:ext>
             </a:extLst>
           </p:cNvPr>
@@ -1115,7 +1115,7 @@
           <p:cNvPr id="4" name="日期占位符 3">
             <a:extLst>
               <a:ext uri="{FF2B5EF4-FFF2-40B4-BE49-F238E27FC236}">
-                <a16:creationId xmlns:a16="http://schemas.microsoft.com/office/drawing/2014/main" id="{46CDC79C-5CE1-2492-1D4F-C6C5D037F76F}"/>
+                <a16:creationId xmlns:a16="http://schemas.microsoft.com/office/drawing/2014/main" id="{BFB83AFE-008A-8594-11D6-7B4281659A30}"/>
               </a:ext>
             </a:extLst>
           </p:cNvPr>
@@ -1131,7 +1131,7 @@
           <a:bodyPr/>
           <a:lstStyle/>
           <a:p>
-            <a:fld id="{34467ACF-9F85-4E48-9CBE-E04BD185DEFE}" type="datetimeFigureOut">
+            <a:fld id="{E72A3F4E-DB46-4C5D-84F9-5E11E5A52ECF}" type="datetimeFigureOut">
               <a:rPr lang="zh-CN" altLang="en-US" smtClean="0"/>
               <a:t>2024/3/10</a:t>
             </a:fld>
@@ -1144,7 +1144,7 @@
           <p:cNvPr id="5" name="页脚占位符 4">
             <a:extLst>
               <a:ext uri="{FF2B5EF4-FFF2-40B4-BE49-F238E27FC236}">
-                <a16:creationId xmlns:a16="http://schemas.microsoft.com/office/drawing/2014/main" id="{9FDD653A-8CD8-FC8D-0BD1-1AC8C9CA76C5}"/>
+                <a16:creationId xmlns:a16="http://schemas.microsoft.com/office/drawing/2014/main" id="{E0EAAF27-66FC-EFC6-9044-FE8B8EC1E8FF}"/>
               </a:ext>
             </a:extLst>
           </p:cNvPr>
@@ -1169,7 +1169,7 @@
           <p:cNvPr id="6" name="灯片编号占位符 5">
             <a:extLst>
               <a:ext uri="{FF2B5EF4-FFF2-40B4-BE49-F238E27FC236}">
-                <a16:creationId xmlns:a16="http://schemas.microsoft.com/office/drawing/2014/main" id="{A32E8BED-A61A-1C99-FB4D-35B4CE74BB65}"/>
+                <a16:creationId xmlns:a16="http://schemas.microsoft.com/office/drawing/2014/main" id="{4A70ED18-6FF6-B149-1F45-E3C7B56182B5}"/>
               </a:ext>
             </a:extLst>
           </p:cNvPr>
@@ -1185,7 +1185,7 @@
           <a:bodyPr/>
           <a:lstStyle/>
           <a:p>
-            <a:fld id="{F0BA1A82-475F-4340-B1C9-464779EDA945}" type="slidenum">
+            <a:fld id="{B5DEB713-193F-406E-81B3-BB100EB24540}" type="slidenum">
               <a:rPr lang="zh-CN" altLang="en-US" smtClean="0"/>
               <a:t>‹#›</a:t>
             </a:fld>
@@ -1196,7 +1196,7 @@
     </p:spTree>
     <p:extLst>
       <p:ext uri="{BB962C8B-B14F-4D97-AF65-F5344CB8AC3E}">
-        <p14:creationId xmlns:p14="http://schemas.microsoft.com/office/powerpoint/2010/main" val="3465265580"/>
+        <p14:creationId xmlns:p14="http://schemas.microsoft.com/office/powerpoint/2010/main" val="3677181522"/>
       </p:ext>
     </p:extLst>
   </p:cSld>
@@ -1228,7 +1228,7 @@
           <p:cNvPr id="2" name="标题 1">
             <a:extLst>
               <a:ext uri="{FF2B5EF4-FFF2-40B4-BE49-F238E27FC236}">
-                <a16:creationId xmlns:a16="http://schemas.microsoft.com/office/drawing/2014/main" id="{AE3F6598-C4DA-1178-B2FD-0DC94B32A028}"/>
+                <a16:creationId xmlns:a16="http://schemas.microsoft.com/office/drawing/2014/main" id="{D6F5979A-54EC-AD7A-B4E1-3ADEB119615C}"/>
               </a:ext>
             </a:extLst>
           </p:cNvPr>
@@ -1256,7 +1256,7 @@
           <p:cNvPr id="3" name="内容占位符 2">
             <a:extLst>
               <a:ext uri="{FF2B5EF4-FFF2-40B4-BE49-F238E27FC236}">
-                <a16:creationId xmlns:a16="http://schemas.microsoft.com/office/drawing/2014/main" id="{75C20D05-FC84-597B-419F-1F89B7AAA66A}"/>
+                <a16:creationId xmlns:a16="http://schemas.microsoft.com/office/drawing/2014/main" id="{75F42C7B-3A0A-91F5-6D3C-654014795610}"/>
               </a:ext>
             </a:extLst>
           </p:cNvPr>
@@ -1318,7 +1318,7 @@
           <p:cNvPr id="4" name="内容占位符 3">
             <a:extLst>
               <a:ext uri="{FF2B5EF4-FFF2-40B4-BE49-F238E27FC236}">
-                <a16:creationId xmlns:a16="http://schemas.microsoft.com/office/drawing/2014/main" id="{ADF90228-77D2-58CD-87F5-BB342737B3B6}"/>
+                <a16:creationId xmlns:a16="http://schemas.microsoft.com/office/drawing/2014/main" id="{DBB565BF-081C-FB81-0F76-F36D34C5ADA3}"/>
               </a:ext>
             </a:extLst>
           </p:cNvPr>
@@ -1380,7 +1380,7 @@
           <p:cNvPr id="5" name="日期占位符 4">
             <a:extLst>
               <a:ext uri="{FF2B5EF4-FFF2-40B4-BE49-F238E27FC236}">
-                <a16:creationId xmlns:a16="http://schemas.microsoft.com/office/drawing/2014/main" id="{DC999014-AD56-CF46-04FB-B1B99A075AC2}"/>
+                <a16:creationId xmlns:a16="http://schemas.microsoft.com/office/drawing/2014/main" id="{2D3B2102-3A0E-B143-6463-7508A1489140}"/>
               </a:ext>
             </a:extLst>
           </p:cNvPr>
@@ -1396,7 +1396,7 @@
           <a:bodyPr/>
           <a:lstStyle/>
           <a:p>
-            <a:fld id="{34467ACF-9F85-4E48-9CBE-E04BD185DEFE}" type="datetimeFigureOut">
+            <a:fld id="{E72A3F4E-DB46-4C5D-84F9-5E11E5A52ECF}" type="datetimeFigureOut">
               <a:rPr lang="zh-CN" altLang="en-US" smtClean="0"/>
               <a:t>2024/3/10</a:t>
             </a:fld>
@@ -1409,7 +1409,7 @@
           <p:cNvPr id="6" name="页脚占位符 5">
             <a:extLst>
               <a:ext uri="{FF2B5EF4-FFF2-40B4-BE49-F238E27FC236}">
-                <a16:creationId xmlns:a16="http://schemas.microsoft.com/office/drawing/2014/main" id="{66DABB83-74B2-CE41-91AD-B11AFE582251}"/>
+                <a16:creationId xmlns:a16="http://schemas.microsoft.com/office/drawing/2014/main" id="{8D93B28F-4B11-01E4-B6EB-95E12A60F7B9}"/>
               </a:ext>
             </a:extLst>
           </p:cNvPr>
@@ -1434,7 +1434,7 @@
           <p:cNvPr id="7" name="灯片编号占位符 6">
             <a:extLst>
               <a:ext uri="{FF2B5EF4-FFF2-40B4-BE49-F238E27FC236}">
-                <a16:creationId xmlns:a16="http://schemas.microsoft.com/office/drawing/2014/main" id="{043EE9B7-6BFF-589E-CCB9-DB6C97469FD4}"/>
+                <a16:creationId xmlns:a16="http://schemas.microsoft.com/office/drawing/2014/main" id="{F2D94582-DD71-198A-539A-2B57B47AA34D}"/>
               </a:ext>
             </a:extLst>
           </p:cNvPr>
@@ -1450,7 +1450,7 @@
           <a:bodyPr/>
           <a:lstStyle/>
           <a:p>
-            <a:fld id="{F0BA1A82-475F-4340-B1C9-464779EDA945}" type="slidenum">
+            <a:fld id="{B5DEB713-193F-406E-81B3-BB100EB24540}" type="slidenum">
               <a:rPr lang="zh-CN" altLang="en-US" smtClean="0"/>
               <a:t>‹#›</a:t>
             </a:fld>
@@ -1461,7 +1461,7 @@
     </p:spTree>
     <p:extLst>
       <p:ext uri="{BB962C8B-B14F-4D97-AF65-F5344CB8AC3E}">
-        <p14:creationId xmlns:p14="http://schemas.microsoft.com/office/powerpoint/2010/main" val="425476378"/>
+        <p14:creationId xmlns:p14="http://schemas.microsoft.com/office/powerpoint/2010/main" val="559621373"/>
       </p:ext>
     </p:extLst>
   </p:cSld>
@@ -1493,7 +1493,7 @@
           <p:cNvPr id="2" name="标题 1">
             <a:extLst>
               <a:ext uri="{FF2B5EF4-FFF2-40B4-BE49-F238E27FC236}">
-                <a16:creationId xmlns:a16="http://schemas.microsoft.com/office/drawing/2014/main" id="{11AEB4C5-5022-4D14-B810-53AEE99846BC}"/>
+                <a16:creationId xmlns:a16="http://schemas.microsoft.com/office/drawing/2014/main" id="{222DEE4A-4DC1-A44F-6465-8DF166594EF8}"/>
               </a:ext>
             </a:extLst>
           </p:cNvPr>
@@ -1526,7 +1526,7 @@
           <p:cNvPr id="3" name="文本占位符 2">
             <a:extLst>
               <a:ext uri="{FF2B5EF4-FFF2-40B4-BE49-F238E27FC236}">
-                <a16:creationId xmlns:a16="http://schemas.microsoft.com/office/drawing/2014/main" id="{9E467E8C-7A52-C3CC-1193-837A97B68C7B}"/>
+                <a16:creationId xmlns:a16="http://schemas.microsoft.com/office/drawing/2014/main" id="{95991686-0BBC-20B8-1D3B-D3A538590A7F}"/>
               </a:ext>
             </a:extLst>
           </p:cNvPr>
@@ -1597,7 +1597,7 @@
           <p:cNvPr id="4" name="内容占位符 3">
             <a:extLst>
               <a:ext uri="{FF2B5EF4-FFF2-40B4-BE49-F238E27FC236}">
-                <a16:creationId xmlns:a16="http://schemas.microsoft.com/office/drawing/2014/main" id="{7E3C2EF1-9A36-6F3D-428D-764E8A3309ED}"/>
+                <a16:creationId xmlns:a16="http://schemas.microsoft.com/office/drawing/2014/main" id="{21212082-3187-8595-BA2F-429416B7A9E5}"/>
               </a:ext>
             </a:extLst>
           </p:cNvPr>
@@ -1659,7 +1659,7 @@
           <p:cNvPr id="5" name="文本占位符 4">
             <a:extLst>
               <a:ext uri="{FF2B5EF4-FFF2-40B4-BE49-F238E27FC236}">
-                <a16:creationId xmlns:a16="http://schemas.microsoft.com/office/drawing/2014/main" id="{292B3A50-93C2-E925-797B-1BD08F050379}"/>
+                <a16:creationId xmlns:a16="http://schemas.microsoft.com/office/drawing/2014/main" id="{E87EEFAE-65EC-A98A-8FC6-9F8CC2310E30}"/>
               </a:ext>
             </a:extLst>
           </p:cNvPr>
@@ -1730,7 +1730,7 @@
           <p:cNvPr id="6" name="内容占位符 5">
             <a:extLst>
               <a:ext uri="{FF2B5EF4-FFF2-40B4-BE49-F238E27FC236}">
-                <a16:creationId xmlns:a16="http://schemas.microsoft.com/office/drawing/2014/main" id="{12DB6228-4C24-2CA0-9669-37414EEB0EE0}"/>
+                <a16:creationId xmlns:a16="http://schemas.microsoft.com/office/drawing/2014/main" id="{DB8C9323-CD57-686F-DFF4-B38DC97B8BAD}"/>
               </a:ext>
             </a:extLst>
           </p:cNvPr>
@@ -1792,7 +1792,7 @@
           <p:cNvPr id="7" name="日期占位符 6">
             <a:extLst>
               <a:ext uri="{FF2B5EF4-FFF2-40B4-BE49-F238E27FC236}">
-                <a16:creationId xmlns:a16="http://schemas.microsoft.com/office/drawing/2014/main" id="{32103119-CC5A-B7EC-AA4C-83C0AFCF439F}"/>
+                <a16:creationId xmlns:a16="http://schemas.microsoft.com/office/drawing/2014/main" id="{BCA87253-2526-77E2-A521-38E31D4723C1}"/>
               </a:ext>
             </a:extLst>
           </p:cNvPr>
@@ -1808,7 +1808,7 @@
           <a:bodyPr/>
           <a:lstStyle/>
           <a:p>
-            <a:fld id="{34467ACF-9F85-4E48-9CBE-E04BD185DEFE}" type="datetimeFigureOut">
+            <a:fld id="{E72A3F4E-DB46-4C5D-84F9-5E11E5A52ECF}" type="datetimeFigureOut">
               <a:rPr lang="zh-CN" altLang="en-US" smtClean="0"/>
               <a:t>2024/3/10</a:t>
             </a:fld>
@@ -1821,7 +1821,7 @@
           <p:cNvPr id="8" name="页脚占位符 7">
             <a:extLst>
               <a:ext uri="{FF2B5EF4-FFF2-40B4-BE49-F238E27FC236}">
-                <a16:creationId xmlns:a16="http://schemas.microsoft.com/office/drawing/2014/main" id="{DDF42055-1351-6518-D3FB-FF0418FE748F}"/>
+                <a16:creationId xmlns:a16="http://schemas.microsoft.com/office/drawing/2014/main" id="{FED9E928-1E36-3D1B-A4A5-049CCC4CD7A9}"/>
               </a:ext>
             </a:extLst>
           </p:cNvPr>
@@ -1846,7 +1846,7 @@
           <p:cNvPr id="9" name="灯片编号占位符 8">
             <a:extLst>
               <a:ext uri="{FF2B5EF4-FFF2-40B4-BE49-F238E27FC236}">
-                <a16:creationId xmlns:a16="http://schemas.microsoft.com/office/drawing/2014/main" id="{A9AA89B3-BA6B-BBCE-B8E4-EBD7800BAD9E}"/>
+                <a16:creationId xmlns:a16="http://schemas.microsoft.com/office/drawing/2014/main" id="{79D1BFFC-C4A4-81B1-A82B-28512FCD789C}"/>
               </a:ext>
             </a:extLst>
           </p:cNvPr>
@@ -1862,7 +1862,7 @@
           <a:bodyPr/>
           <a:lstStyle/>
           <a:p>
-            <a:fld id="{F0BA1A82-475F-4340-B1C9-464779EDA945}" type="slidenum">
+            <a:fld id="{B5DEB713-193F-406E-81B3-BB100EB24540}" type="slidenum">
               <a:rPr lang="zh-CN" altLang="en-US" smtClean="0"/>
               <a:t>‹#›</a:t>
             </a:fld>
@@ -1873,7 +1873,7 @@
     </p:spTree>
     <p:extLst>
       <p:ext uri="{BB962C8B-B14F-4D97-AF65-F5344CB8AC3E}">
-        <p14:creationId xmlns:p14="http://schemas.microsoft.com/office/powerpoint/2010/main" val="3808027477"/>
+        <p14:creationId xmlns:p14="http://schemas.microsoft.com/office/powerpoint/2010/main" val="2637200018"/>
       </p:ext>
     </p:extLst>
   </p:cSld>
@@ -1905,7 +1905,7 @@
           <p:cNvPr id="2" name="标题 1">
             <a:extLst>
               <a:ext uri="{FF2B5EF4-FFF2-40B4-BE49-F238E27FC236}">
-                <a16:creationId xmlns:a16="http://schemas.microsoft.com/office/drawing/2014/main" id="{3B1AFDF7-D3E8-A255-64FC-4BE4833CCECD}"/>
+                <a16:creationId xmlns:a16="http://schemas.microsoft.com/office/drawing/2014/main" id="{88B1E368-9807-5B25-11E2-9B03FB9FBFCC}"/>
               </a:ext>
             </a:extLst>
           </p:cNvPr>
@@ -1933,7 +1933,7 @@
           <p:cNvPr id="3" name="日期占位符 2">
             <a:extLst>
               <a:ext uri="{FF2B5EF4-FFF2-40B4-BE49-F238E27FC236}">
-                <a16:creationId xmlns:a16="http://schemas.microsoft.com/office/drawing/2014/main" id="{A35A565A-8DB4-C752-AADA-7CF850F7400D}"/>
+                <a16:creationId xmlns:a16="http://schemas.microsoft.com/office/drawing/2014/main" id="{32323194-9665-BEB1-4478-B2E17289DEFB}"/>
               </a:ext>
             </a:extLst>
           </p:cNvPr>
@@ -1949,7 +1949,7 @@
           <a:bodyPr/>
           <a:lstStyle/>
           <a:p>
-            <a:fld id="{34467ACF-9F85-4E48-9CBE-E04BD185DEFE}" type="datetimeFigureOut">
+            <a:fld id="{E72A3F4E-DB46-4C5D-84F9-5E11E5A52ECF}" type="datetimeFigureOut">
               <a:rPr lang="zh-CN" altLang="en-US" smtClean="0"/>
               <a:t>2024/3/10</a:t>
             </a:fld>
@@ -1962,7 +1962,7 @@
           <p:cNvPr id="4" name="页脚占位符 3">
             <a:extLst>
               <a:ext uri="{FF2B5EF4-FFF2-40B4-BE49-F238E27FC236}">
-                <a16:creationId xmlns:a16="http://schemas.microsoft.com/office/drawing/2014/main" id="{FB48A3CF-04FA-2200-64A0-E93CE3B8C645}"/>
+                <a16:creationId xmlns:a16="http://schemas.microsoft.com/office/drawing/2014/main" id="{86AB61AF-B34A-B9F5-4967-4811D7FCB962}"/>
               </a:ext>
             </a:extLst>
           </p:cNvPr>
@@ -1987,7 +1987,7 @@
           <p:cNvPr id="5" name="灯片编号占位符 4">
             <a:extLst>
               <a:ext uri="{FF2B5EF4-FFF2-40B4-BE49-F238E27FC236}">
-                <a16:creationId xmlns:a16="http://schemas.microsoft.com/office/drawing/2014/main" id="{509B23F3-C1EF-8927-799F-326AECE4821C}"/>
+                <a16:creationId xmlns:a16="http://schemas.microsoft.com/office/drawing/2014/main" id="{A8E56971-5032-B85F-B10A-0EAEEB26A998}"/>
               </a:ext>
             </a:extLst>
           </p:cNvPr>
@@ -2003,7 +2003,7 @@
           <a:bodyPr/>
           <a:lstStyle/>
           <a:p>
-            <a:fld id="{F0BA1A82-475F-4340-B1C9-464779EDA945}" type="slidenum">
+            <a:fld id="{B5DEB713-193F-406E-81B3-BB100EB24540}" type="slidenum">
               <a:rPr lang="zh-CN" altLang="en-US" smtClean="0"/>
               <a:t>‹#›</a:t>
             </a:fld>
@@ -2014,7 +2014,7 @@
     </p:spTree>
     <p:extLst>
       <p:ext uri="{BB962C8B-B14F-4D97-AF65-F5344CB8AC3E}">
-        <p14:creationId xmlns:p14="http://schemas.microsoft.com/office/powerpoint/2010/main" val="99274046"/>
+        <p14:creationId xmlns:p14="http://schemas.microsoft.com/office/powerpoint/2010/main" val="4203037313"/>
       </p:ext>
     </p:extLst>
   </p:cSld>
@@ -2046,7 +2046,7 @@
           <p:cNvPr id="2" name="日期占位符 1">
             <a:extLst>
               <a:ext uri="{FF2B5EF4-FFF2-40B4-BE49-F238E27FC236}">
-                <a16:creationId xmlns:a16="http://schemas.microsoft.com/office/drawing/2014/main" id="{A1CA731F-A7BF-42FB-C448-A26AA62B8C54}"/>
+                <a16:creationId xmlns:a16="http://schemas.microsoft.com/office/drawing/2014/main" id="{2703F210-857F-D5D6-69F3-36902CAC7FB9}"/>
               </a:ext>
             </a:extLst>
           </p:cNvPr>
@@ -2062,7 +2062,7 @@
           <a:bodyPr/>
           <a:lstStyle/>
           <a:p>
-            <a:fld id="{34467ACF-9F85-4E48-9CBE-E04BD185DEFE}" type="datetimeFigureOut">
+            <a:fld id="{E72A3F4E-DB46-4C5D-84F9-5E11E5A52ECF}" type="datetimeFigureOut">
               <a:rPr lang="zh-CN" altLang="en-US" smtClean="0"/>
               <a:t>2024/3/10</a:t>
             </a:fld>
@@ -2075,7 +2075,7 @@
           <p:cNvPr id="3" name="页脚占位符 2">
             <a:extLst>
               <a:ext uri="{FF2B5EF4-FFF2-40B4-BE49-F238E27FC236}">
-                <a16:creationId xmlns:a16="http://schemas.microsoft.com/office/drawing/2014/main" id="{25AE8225-8291-3DF1-AE78-C4DA7BBBB30A}"/>
+                <a16:creationId xmlns:a16="http://schemas.microsoft.com/office/drawing/2014/main" id="{E5602495-8245-CD7C-0DB6-156BE91AAC31}"/>
               </a:ext>
             </a:extLst>
           </p:cNvPr>
@@ -2100,7 +2100,7 @@
           <p:cNvPr id="4" name="灯片编号占位符 3">
             <a:extLst>
               <a:ext uri="{FF2B5EF4-FFF2-40B4-BE49-F238E27FC236}">
-                <a16:creationId xmlns:a16="http://schemas.microsoft.com/office/drawing/2014/main" id="{E260515E-1363-F91C-D82C-66BAB9B7F0BC}"/>
+                <a16:creationId xmlns:a16="http://schemas.microsoft.com/office/drawing/2014/main" id="{49048786-AFD1-FD98-B208-2B8DF0B04762}"/>
               </a:ext>
             </a:extLst>
           </p:cNvPr>
@@ -2116,7 +2116,7 @@
           <a:bodyPr/>
           <a:lstStyle/>
           <a:p>
-            <a:fld id="{F0BA1A82-475F-4340-B1C9-464779EDA945}" type="slidenum">
+            <a:fld id="{B5DEB713-193F-406E-81B3-BB100EB24540}" type="slidenum">
               <a:rPr lang="zh-CN" altLang="en-US" smtClean="0"/>
               <a:t>‹#›</a:t>
             </a:fld>
@@ -2127,7 +2127,7 @@
     </p:spTree>
     <p:extLst>
       <p:ext uri="{BB962C8B-B14F-4D97-AF65-F5344CB8AC3E}">
-        <p14:creationId xmlns:p14="http://schemas.microsoft.com/office/powerpoint/2010/main" val="2953810279"/>
+        <p14:creationId xmlns:p14="http://schemas.microsoft.com/office/powerpoint/2010/main" val="167948919"/>
       </p:ext>
     </p:extLst>
   </p:cSld>
@@ -2159,7 +2159,7 @@
           <p:cNvPr id="2" name="标题 1">
             <a:extLst>
               <a:ext uri="{FF2B5EF4-FFF2-40B4-BE49-F238E27FC236}">
-                <a16:creationId xmlns:a16="http://schemas.microsoft.com/office/drawing/2014/main" id="{D72716E6-275E-40A1-CE73-D667F1C97F57}"/>
+                <a16:creationId xmlns:a16="http://schemas.microsoft.com/office/drawing/2014/main" id="{5BC43249-72A2-FD9F-398B-3BBD35A98742}"/>
               </a:ext>
             </a:extLst>
           </p:cNvPr>
@@ -2196,7 +2196,7 @@
           <p:cNvPr id="3" name="内容占位符 2">
             <a:extLst>
               <a:ext uri="{FF2B5EF4-FFF2-40B4-BE49-F238E27FC236}">
-                <a16:creationId xmlns:a16="http://schemas.microsoft.com/office/drawing/2014/main" id="{3568F2FB-AF8C-48CF-0A56-B61B24EB28E7}"/>
+                <a16:creationId xmlns:a16="http://schemas.microsoft.com/office/drawing/2014/main" id="{8D1E8D02-996F-EB38-C5B6-264AC6419247}"/>
               </a:ext>
             </a:extLst>
           </p:cNvPr>
@@ -2286,7 +2286,7 @@
           <p:cNvPr id="4" name="文本占位符 3">
             <a:extLst>
               <a:ext uri="{FF2B5EF4-FFF2-40B4-BE49-F238E27FC236}">
-                <a16:creationId xmlns:a16="http://schemas.microsoft.com/office/drawing/2014/main" id="{228217FE-DDE3-EDB9-3518-0D97FDBF6CF6}"/>
+                <a16:creationId xmlns:a16="http://schemas.microsoft.com/office/drawing/2014/main" id="{3334B72F-AE03-A466-4C1D-DB4C61E540C0}"/>
               </a:ext>
             </a:extLst>
           </p:cNvPr>
@@ -2357,7 +2357,7 @@
           <p:cNvPr id="5" name="日期占位符 4">
             <a:extLst>
               <a:ext uri="{FF2B5EF4-FFF2-40B4-BE49-F238E27FC236}">
-                <a16:creationId xmlns:a16="http://schemas.microsoft.com/office/drawing/2014/main" id="{4F9CB2DC-F6B0-E619-1C66-07606A0B4D1C}"/>
+                <a16:creationId xmlns:a16="http://schemas.microsoft.com/office/drawing/2014/main" id="{E4C5B915-100B-B906-64A8-2973CD5AA125}"/>
               </a:ext>
             </a:extLst>
           </p:cNvPr>
@@ -2373,7 +2373,7 @@
           <a:bodyPr/>
           <a:lstStyle/>
           <a:p>
-            <a:fld id="{34467ACF-9F85-4E48-9CBE-E04BD185DEFE}" type="datetimeFigureOut">
+            <a:fld id="{E72A3F4E-DB46-4C5D-84F9-5E11E5A52ECF}" type="datetimeFigureOut">
               <a:rPr lang="zh-CN" altLang="en-US" smtClean="0"/>
               <a:t>2024/3/10</a:t>
             </a:fld>
@@ -2386,7 +2386,7 @@
           <p:cNvPr id="6" name="页脚占位符 5">
             <a:extLst>
               <a:ext uri="{FF2B5EF4-FFF2-40B4-BE49-F238E27FC236}">
-                <a16:creationId xmlns:a16="http://schemas.microsoft.com/office/drawing/2014/main" id="{BE755952-7B79-7ED3-140F-5BE8D35BF417}"/>
+                <a16:creationId xmlns:a16="http://schemas.microsoft.com/office/drawing/2014/main" id="{464C414B-E6F6-6B12-ADB2-27C98451743A}"/>
               </a:ext>
             </a:extLst>
           </p:cNvPr>
@@ -2411,7 +2411,7 @@
           <p:cNvPr id="7" name="灯片编号占位符 6">
             <a:extLst>
               <a:ext uri="{FF2B5EF4-FFF2-40B4-BE49-F238E27FC236}">
-                <a16:creationId xmlns:a16="http://schemas.microsoft.com/office/drawing/2014/main" id="{F544DF39-468E-C098-201C-C5C7078CC309}"/>
+                <a16:creationId xmlns:a16="http://schemas.microsoft.com/office/drawing/2014/main" id="{CC640C15-C347-15A7-4BF5-A3650365BBFC}"/>
               </a:ext>
             </a:extLst>
           </p:cNvPr>
@@ -2427,7 +2427,7 @@
           <a:bodyPr/>
           <a:lstStyle/>
           <a:p>
-            <a:fld id="{F0BA1A82-475F-4340-B1C9-464779EDA945}" type="slidenum">
+            <a:fld id="{B5DEB713-193F-406E-81B3-BB100EB24540}" type="slidenum">
               <a:rPr lang="zh-CN" altLang="en-US" smtClean="0"/>
               <a:t>‹#›</a:t>
             </a:fld>
@@ -2438,7 +2438,7 @@
     </p:spTree>
     <p:extLst>
       <p:ext uri="{BB962C8B-B14F-4D97-AF65-F5344CB8AC3E}">
-        <p14:creationId xmlns:p14="http://schemas.microsoft.com/office/powerpoint/2010/main" val="2877746029"/>
+        <p14:creationId xmlns:p14="http://schemas.microsoft.com/office/powerpoint/2010/main" val="328538546"/>
       </p:ext>
     </p:extLst>
   </p:cSld>
@@ -2470,7 +2470,7 @@
           <p:cNvPr id="2" name="标题 1">
             <a:extLst>
               <a:ext uri="{FF2B5EF4-FFF2-40B4-BE49-F238E27FC236}">
-                <a16:creationId xmlns:a16="http://schemas.microsoft.com/office/drawing/2014/main" id="{A51697AE-2B71-1487-CDF5-948C0D56671D}"/>
+                <a16:creationId xmlns:a16="http://schemas.microsoft.com/office/drawing/2014/main" id="{A90B0ECE-FC23-83CD-15D9-175DBAE73C4D}"/>
               </a:ext>
             </a:extLst>
           </p:cNvPr>
@@ -2507,7 +2507,7 @@
           <p:cNvPr id="3" name="图片占位符 2">
             <a:extLst>
               <a:ext uri="{FF2B5EF4-FFF2-40B4-BE49-F238E27FC236}">
-                <a16:creationId xmlns:a16="http://schemas.microsoft.com/office/drawing/2014/main" id="{1C7C4412-1FE3-140B-E52D-6CF19FD2BBD5}"/>
+                <a16:creationId xmlns:a16="http://schemas.microsoft.com/office/drawing/2014/main" id="{A112C092-6298-1E6F-7F4D-06B72F298696}"/>
               </a:ext>
             </a:extLst>
           </p:cNvPr>
@@ -2574,7 +2574,7 @@
           <p:cNvPr id="4" name="文本占位符 3">
             <a:extLst>
               <a:ext uri="{FF2B5EF4-FFF2-40B4-BE49-F238E27FC236}">
-                <a16:creationId xmlns:a16="http://schemas.microsoft.com/office/drawing/2014/main" id="{204128D9-D59D-EF93-86A3-AED280F71FF4}"/>
+                <a16:creationId xmlns:a16="http://schemas.microsoft.com/office/drawing/2014/main" id="{CE95E846-9515-9E81-C257-76C6BD25BF2E}"/>
               </a:ext>
             </a:extLst>
           </p:cNvPr>
@@ -2645,7 +2645,7 @@
           <p:cNvPr id="5" name="日期占位符 4">
             <a:extLst>
               <a:ext uri="{FF2B5EF4-FFF2-40B4-BE49-F238E27FC236}">
-                <a16:creationId xmlns:a16="http://schemas.microsoft.com/office/drawing/2014/main" id="{7D9ABDD6-A69B-B1F6-EBC6-FB0AD94792D4}"/>
+                <a16:creationId xmlns:a16="http://schemas.microsoft.com/office/drawing/2014/main" id="{D540805D-854E-F4AA-9D48-A406FCF192DA}"/>
               </a:ext>
             </a:extLst>
           </p:cNvPr>
@@ -2661,7 +2661,7 @@
           <a:bodyPr/>
           <a:lstStyle/>
           <a:p>
-            <a:fld id="{34467ACF-9F85-4E48-9CBE-E04BD185DEFE}" type="datetimeFigureOut">
+            <a:fld id="{E72A3F4E-DB46-4C5D-84F9-5E11E5A52ECF}" type="datetimeFigureOut">
               <a:rPr lang="zh-CN" altLang="en-US" smtClean="0"/>
               <a:t>2024/3/10</a:t>
             </a:fld>
@@ -2674,7 +2674,7 @@
           <p:cNvPr id="6" name="页脚占位符 5">
             <a:extLst>
               <a:ext uri="{FF2B5EF4-FFF2-40B4-BE49-F238E27FC236}">
-                <a16:creationId xmlns:a16="http://schemas.microsoft.com/office/drawing/2014/main" id="{89534D71-A690-8586-7039-4B38BF9B77CA}"/>
+                <a16:creationId xmlns:a16="http://schemas.microsoft.com/office/drawing/2014/main" id="{F97EE2FB-5A41-54E5-B820-E02C495FEF96}"/>
               </a:ext>
             </a:extLst>
           </p:cNvPr>
@@ -2699,7 +2699,7 @@
           <p:cNvPr id="7" name="灯片编号占位符 6">
             <a:extLst>
               <a:ext uri="{FF2B5EF4-FFF2-40B4-BE49-F238E27FC236}">
-                <a16:creationId xmlns:a16="http://schemas.microsoft.com/office/drawing/2014/main" id="{ED3BA6BB-95EC-C2C7-0DAF-A78B3BDAB6AB}"/>
+                <a16:creationId xmlns:a16="http://schemas.microsoft.com/office/drawing/2014/main" id="{6B6CCD57-CD32-41E8-EA28-4C803591AFA0}"/>
               </a:ext>
             </a:extLst>
           </p:cNvPr>
@@ -2715,7 +2715,7 @@
           <a:bodyPr/>
           <a:lstStyle/>
           <a:p>
-            <a:fld id="{F0BA1A82-475F-4340-B1C9-464779EDA945}" type="slidenum">
+            <a:fld id="{B5DEB713-193F-406E-81B3-BB100EB24540}" type="slidenum">
               <a:rPr lang="zh-CN" altLang="en-US" smtClean="0"/>
               <a:t>‹#›</a:t>
             </a:fld>
@@ -2726,7 +2726,7 @@
     </p:spTree>
     <p:extLst>
       <p:ext uri="{BB962C8B-B14F-4D97-AF65-F5344CB8AC3E}">
-        <p14:creationId xmlns:p14="http://schemas.microsoft.com/office/powerpoint/2010/main" val="597361150"/>
+        <p14:creationId xmlns:p14="http://schemas.microsoft.com/office/powerpoint/2010/main" val="2757879321"/>
       </p:ext>
     </p:extLst>
   </p:cSld>
@@ -2763,7 +2763,7 @@
           <p:cNvPr id="2" name="标题占位符 1">
             <a:extLst>
               <a:ext uri="{FF2B5EF4-FFF2-40B4-BE49-F238E27FC236}">
-                <a16:creationId xmlns:a16="http://schemas.microsoft.com/office/drawing/2014/main" id="{3B9FA963-6D8B-7456-BAB3-C9574059DA22}"/>
+                <a16:creationId xmlns:a16="http://schemas.microsoft.com/office/drawing/2014/main" id="{CE79039D-0599-970D-2105-57673430CA8D}"/>
               </a:ext>
             </a:extLst>
           </p:cNvPr>
@@ -2801,7 +2801,7 @@
           <p:cNvPr id="3" name="文本占位符 2">
             <a:extLst>
               <a:ext uri="{FF2B5EF4-FFF2-40B4-BE49-F238E27FC236}">
-                <a16:creationId xmlns:a16="http://schemas.microsoft.com/office/drawing/2014/main" id="{3E262FC3-3B47-3586-CCE6-C047E81FE395}"/>
+                <a16:creationId xmlns:a16="http://schemas.microsoft.com/office/drawing/2014/main" id="{7AE6B8AA-0E76-4134-389E-4F1F2E861676}"/>
               </a:ext>
             </a:extLst>
           </p:cNvPr>
@@ -2868,7 +2868,7 @@
           <p:cNvPr id="4" name="日期占位符 3">
             <a:extLst>
               <a:ext uri="{FF2B5EF4-FFF2-40B4-BE49-F238E27FC236}">
-                <a16:creationId xmlns:a16="http://schemas.microsoft.com/office/drawing/2014/main" id="{2250CA46-2A17-B5C9-0FB2-FC924A7A5E24}"/>
+                <a16:creationId xmlns:a16="http://schemas.microsoft.com/office/drawing/2014/main" id="{D4273C0F-5D83-674A-8038-185EC4BFFA6C}"/>
               </a:ext>
             </a:extLst>
           </p:cNvPr>
@@ -2902,7 +2902,7 @@
             </a:lvl1pPr>
           </a:lstStyle>
           <a:p>
-            <a:fld id="{34467ACF-9F85-4E48-9CBE-E04BD185DEFE}" type="datetimeFigureOut">
+            <a:fld id="{E72A3F4E-DB46-4C5D-84F9-5E11E5A52ECF}" type="datetimeFigureOut">
               <a:rPr lang="zh-CN" altLang="en-US" smtClean="0"/>
               <a:t>2024/3/10</a:t>
             </a:fld>
@@ -2915,7 +2915,7 @@
           <p:cNvPr id="5" name="页脚占位符 4">
             <a:extLst>
               <a:ext uri="{FF2B5EF4-FFF2-40B4-BE49-F238E27FC236}">
-                <a16:creationId xmlns:a16="http://schemas.microsoft.com/office/drawing/2014/main" id="{DCB3451F-8CFB-507B-A2A9-02B7DC0FA317}"/>
+                <a16:creationId xmlns:a16="http://schemas.microsoft.com/office/drawing/2014/main" id="{9A93A1BF-3EE3-4B4C-4CFB-F0D9514D3D75}"/>
               </a:ext>
             </a:extLst>
           </p:cNvPr>
@@ -2958,7 +2958,7 @@
           <p:cNvPr id="6" name="灯片编号占位符 5">
             <a:extLst>
               <a:ext uri="{FF2B5EF4-FFF2-40B4-BE49-F238E27FC236}">
-                <a16:creationId xmlns:a16="http://schemas.microsoft.com/office/drawing/2014/main" id="{512677BE-85DF-A895-64F8-5B93AC9CEF9C}"/>
+                <a16:creationId xmlns:a16="http://schemas.microsoft.com/office/drawing/2014/main" id="{4581CA7F-D713-63D1-97D3-5A933A5BAEBB}"/>
               </a:ext>
             </a:extLst>
           </p:cNvPr>
@@ -2992,7 +2992,7 @@
             </a:lvl1pPr>
           </a:lstStyle>
           <a:p>
-            <a:fld id="{F0BA1A82-475F-4340-B1C9-464779EDA945}" type="slidenum">
+            <a:fld id="{B5DEB713-193F-406E-81B3-BB100EB24540}" type="slidenum">
               <a:rPr lang="zh-CN" altLang="en-US" smtClean="0"/>
               <a:t>‹#›</a:t>
             </a:fld>
@@ -3003,7 +3003,7 @@
     </p:spTree>
     <p:extLst>
       <p:ext uri="{BB962C8B-B14F-4D97-AF65-F5344CB8AC3E}">
-        <p14:creationId xmlns:p14="http://schemas.microsoft.com/office/powerpoint/2010/main" val="1830376606"/>
+        <p14:creationId xmlns:p14="http://schemas.microsoft.com/office/powerpoint/2010/main" val="454714145"/>
       </p:ext>
     </p:extLst>
   </p:cSld>
